--- a/documents/Apresentação_22_11.pptx
+++ b/documents/Apresentação_22_11.pptx
@@ -4595,7 +4595,7 @@
             </a:pPr>
             <a:r>
               <a:rPr lang="pt-PT" altLang="en-US" sz="2000"/>
-              <a:t>Supervisionado por Carlos , João Bagulho , Rafael , Lucas</a:t>
+              <a:t>Supervisionado por Carlos , João Bagulho , Rafael , Rodrigo</a:t>
             </a:r>
             <a:endParaRPr lang="pt-PT" altLang="en-US" sz="2000"/>
           </a:p>

--- a/documents/Apresentação_22_11.pptx
+++ b/documents/Apresentação_22_11.pptx
@@ -5346,6 +5346,10 @@
             <a:pPr marL="0" indent="0">
               <a:buNone/>
             </a:pPr>
+            <a:r>
+              <a:rPr lang="pt-PT" altLang="en-US" sz="2000"/>
+              <a:t>Já foi criada a ligação com o servidor</a:t>
+            </a:r>
             <a:endParaRPr lang="pt-PT" altLang="en-US" sz="2000"/>
           </a:p>
           <a:p>
@@ -5362,7 +5366,7 @@
               <a:rPr lang="pt-PT" altLang="en-US" sz="1200">
                 <a:sym typeface="+mn-ea"/>
               </a:rPr>
-              <a:t>Informação retirada no dia 19/11 ao 12:25</a:t>
+              <a:t>Informação retirada no dia 19/11 ao 19:41</a:t>
             </a:r>
             <a:endParaRPr lang="pt-PT" altLang="en-US" sz="1200"/>
           </a:p>
@@ -5376,7 +5380,7 @@
       </p:sp>
       <p:pic>
         <p:nvPicPr>
-          <p:cNvPr id="6" name="Marcador de Posição de Conteúdo 5"/>
+          <p:cNvPr id="5" name="Marcador de Posição de Conteúdo 4"/>
           <p:cNvPicPr>
             <a:picLocks noChangeAspect="1"/>
           </p:cNvPicPr>
@@ -5392,14 +5396,63 @@
         </p:blipFill>
         <p:spPr>
           <a:xfrm>
-            <a:off x="609600" y="1759585"/>
-            <a:ext cx="5384800" cy="3014345"/>
+            <a:off x="1261745" y="1417955"/>
+            <a:ext cx="3486785" cy="2567305"/>
           </a:xfrm>
           <a:prstGeom prst="rect">
             <a:avLst/>
           </a:prstGeom>
         </p:spPr>
       </p:pic>
+      <p:pic>
+        <p:nvPicPr>
+          <p:cNvPr id="7" name="Imagem 6"/>
+          <p:cNvPicPr>
+            <a:picLocks noChangeAspect="1"/>
+          </p:cNvPicPr>
+          <p:nvPr/>
+        </p:nvPicPr>
+        <p:blipFill>
+          <a:blip r:embed="rId2"/>
+          <a:stretch>
+            <a:fillRect/>
+          </a:stretch>
+        </p:blipFill>
+        <p:spPr>
+          <a:xfrm>
+            <a:off x="732790" y="4112895"/>
+            <a:ext cx="4817110" cy="2288540"/>
+          </a:xfrm>
+          <a:prstGeom prst="rect">
+            <a:avLst/>
+          </a:prstGeom>
+        </p:spPr>
+      </p:pic>
+      <p:sp>
+        <p:nvSpPr>
+          <p:cNvPr id="8" name="Caixa de Texto 7"/>
+          <p:cNvSpPr txBox="1"/>
+          <p:nvPr/>
+        </p:nvSpPr>
+        <p:spPr>
+          <a:xfrm>
+            <a:off x="12813030" y="5367655"/>
+            <a:ext cx="4064000" cy="368300"/>
+          </a:xfrm>
+          <a:prstGeom prst="rect">
+            <a:avLst/>
+          </a:prstGeom>
+          <a:noFill/>
+        </p:spPr>
+        <p:txBody>
+          <a:bodyPr wrap="square" rtlCol="0">
+            <a:spAutoFit/>
+          </a:bodyPr>
+          <a:p>
+            <a:endParaRPr lang="pt-PT" altLang="en-US"/>
+          </a:p>
+        </p:txBody>
+      </p:sp>
     </p:spTree>
   </p:cSld>
   <p:clrMapOvr>

--- a/documents/Apresentação_22_11.pptx
+++ b/documents/Apresentação_22_11.pptx
@@ -5,10 +5,10 @@
     <p:sldMasterId id="2147483648" r:id="rId1"/>
   </p:sldMasterIdLst>
   <p:notesMasterIdLst>
-    <p:notesMasterId r:id="rId10"/>
+    <p:notesMasterId r:id="rId11"/>
   </p:notesMasterIdLst>
   <p:handoutMasterIdLst>
-    <p:handoutMasterId r:id="rId11"/>
+    <p:handoutMasterId r:id="rId12"/>
   </p:handoutMasterIdLst>
   <p:sldIdLst>
     <p:sldId id="256" r:id="rId3"/>
@@ -18,6 +18,7 @@
     <p:sldId id="260" r:id="rId7"/>
     <p:sldId id="261" r:id="rId8"/>
     <p:sldId id="262" r:id="rId9"/>
+    <p:sldId id="263" r:id="rId10"/>
   </p:sldIdLst>
   <p:sldSz cx="12192000" cy="6858000"/>
   <p:notesSz cx="7103745" cy="10234295"/>
@@ -5453,6 +5454,191 @@
           </a:p>
         </p:txBody>
       </p:sp>
+    </p:spTree>
+  </p:cSld>
+  <p:clrMapOvr>
+    <a:masterClrMapping/>
+  </p:clrMapOvr>
+</p:sld>
+</file>
+
+<file path=ppt/slides/slide8.xml><?xml version="1.0" encoding="utf-8"?>
+<p:sld xmlns:a="http://schemas.openxmlformats.org/drawingml/2006/main" xmlns:r="http://schemas.openxmlformats.org/officeDocument/2006/relationships" xmlns:p="http://schemas.openxmlformats.org/presentationml/2006/main">
+  <p:cSld>
+    <p:spTree>
+      <p:nvGrpSpPr>
+        <p:cNvPr id="1" name=""/>
+        <p:cNvGrpSpPr/>
+        <p:nvPr/>
+      </p:nvGrpSpPr>
+      <p:grpSpPr/>
+      <p:sp>
+        <p:nvSpPr>
+          <p:cNvPr id="2" name="Título  1"/>
+          <p:cNvSpPr>
+            <a:spLocks noGrp="1"/>
+          </p:cNvSpPr>
+          <p:nvPr>
+            <p:ph type="title"/>
+          </p:nvPr>
+        </p:nvSpPr>
+        <p:spPr/>
+        <p:txBody>
+          <a:bodyPr/>
+          <a:p>
+            <a:r>
+              <a:rPr lang="pt-PT" altLang="en-US"/>
+              <a:t>Back End</a:t>
+            </a:r>
+            <a:endParaRPr lang="pt-PT" altLang="en-US"/>
+          </a:p>
+        </p:txBody>
+      </p:sp>
+      <p:sp>
+        <p:nvSpPr>
+          <p:cNvPr id="3" name="Marcador de Posição de Conteúdo 2"/>
+          <p:cNvSpPr>
+            <a:spLocks noGrp="1"/>
+          </p:cNvSpPr>
+          <p:nvPr>
+            <p:ph sz="half" idx="1"/>
+          </p:nvPr>
+        </p:nvSpPr>
+        <p:spPr/>
+        <p:txBody>
+          <a:bodyPr/>
+          <a:p>
+            <a:pPr marL="0" indent="0">
+              <a:buNone/>
+            </a:pPr>
+            <a:r>
+              <a:rPr lang="pt-PT" altLang="en-US" sz="2000"/>
+              <a:t>Atualização </a:t>
+            </a:r>
+            <a:r>
+              <a:rPr lang="pt-PT" altLang="en-US" sz="1200"/>
+              <a:t>ficheiros retirados 21/11 do github as 15:51</a:t>
+            </a:r>
+            <a:endParaRPr lang="pt-PT" altLang="en-US" sz="1200"/>
+          </a:p>
+          <a:p>
+            <a:pPr marL="0" indent="0">
+              <a:buNone/>
+            </a:pPr>
+            <a:endParaRPr lang="pt-PT" altLang="en-US" sz="1200"/>
+          </a:p>
+          <a:p>
+            <a:pPr marL="0" indent="0">
+              <a:buNone/>
+            </a:pPr>
+            <a:r>
+              <a:rPr lang="pt-PT" altLang="en-US" sz="1200"/>
+              <a:t> </a:t>
+            </a:r>
+            <a:r>
+              <a:rPr lang="pt-PT" altLang="en-US" sz="2000"/>
+              <a:t>O CRUD do Customer já foi criado e está funcional</a:t>
+            </a:r>
+            <a:endParaRPr lang="pt-PT" altLang="en-US" sz="2000"/>
+          </a:p>
+          <a:p>
+            <a:pPr marL="0" indent="0">
+              <a:buNone/>
+            </a:pPr>
+            <a:endParaRPr lang="pt-PT" altLang="en-US" sz="2000"/>
+          </a:p>
+          <a:p>
+            <a:pPr marL="0" indent="0">
+              <a:buNone/>
+            </a:pPr>
+            <a:r>
+              <a:rPr lang="pt-PT" altLang="en-US" sz="2000"/>
+              <a:t>Bibliotecas usadas(python):</a:t>
+            </a:r>
+            <a:endParaRPr lang="pt-PT" altLang="en-US" sz="2000"/>
+          </a:p>
+          <a:p>
+            <a:pPr marL="0" indent="0">
+              <a:buNone/>
+            </a:pPr>
+            <a:r>
+              <a:rPr lang="pt-PT" altLang="en-US" sz="2000"/>
+              <a:t>-uvicorn</a:t>
+            </a:r>
+            <a:endParaRPr lang="pt-PT" altLang="en-US" sz="2000"/>
+          </a:p>
+          <a:p>
+            <a:pPr marL="0" indent="0">
+              <a:buNone/>
+            </a:pPr>
+            <a:r>
+              <a:rPr lang="pt-PT" altLang="en-US" sz="2000"/>
+              <a:t>-fastapi</a:t>
+            </a:r>
+            <a:endParaRPr lang="pt-PT" altLang="en-US" sz="2000"/>
+          </a:p>
+          <a:p>
+            <a:pPr marL="0" indent="0">
+              <a:buNone/>
+            </a:pPr>
+            <a:r>
+              <a:rPr lang="pt-PT" altLang="en-US" sz="2000"/>
+              <a:t>-psycopg2</a:t>
+            </a:r>
+            <a:endParaRPr lang="pt-PT" altLang="en-US" sz="2000"/>
+          </a:p>
+        </p:txBody>
+      </p:sp>
+      <p:pic>
+        <p:nvPicPr>
+          <p:cNvPr id="5" name="Marcador de Posição de Conteúdo 4"/>
+          <p:cNvPicPr>
+            <a:picLocks noChangeAspect="1"/>
+          </p:cNvPicPr>
+          <p:nvPr>
+            <p:ph sz="half" idx="2"/>
+          </p:nvPr>
+        </p:nvPicPr>
+        <p:blipFill>
+          <a:blip r:embed="rId1"/>
+          <a:stretch>
+            <a:fillRect/>
+          </a:stretch>
+        </p:blipFill>
+        <p:spPr>
+          <a:xfrm>
+            <a:off x="6969125" y="1417955"/>
+            <a:ext cx="3667125" cy="2504440"/>
+          </a:xfrm>
+          <a:prstGeom prst="rect">
+            <a:avLst/>
+          </a:prstGeom>
+        </p:spPr>
+      </p:pic>
+      <p:pic>
+        <p:nvPicPr>
+          <p:cNvPr id="6" name="Imagem 5"/>
+          <p:cNvPicPr>
+            <a:picLocks noChangeAspect="1"/>
+          </p:cNvPicPr>
+          <p:nvPr/>
+        </p:nvPicPr>
+        <p:blipFill>
+          <a:blip r:embed="rId2"/>
+          <a:stretch>
+            <a:fillRect/>
+          </a:stretch>
+        </p:blipFill>
+        <p:spPr>
+          <a:xfrm>
+            <a:off x="2374900" y="4076065"/>
+            <a:ext cx="5015865" cy="2239645"/>
+          </a:xfrm>
+          <a:prstGeom prst="rect">
+            <a:avLst/>
+          </a:prstGeom>
+        </p:spPr>
+      </p:pic>
     </p:spTree>
   </p:cSld>
   <p:clrMapOvr>

--- a/documents/Apresentação_22_11.pptx
+++ b/documents/Apresentação_22_11.pptx
@@ -4949,7 +4949,7 @@
         </p:blipFill>
         <p:spPr>
           <a:xfrm>
-            <a:off x="871855" y="1597660"/>
+            <a:off x="871855" y="1668780"/>
             <a:ext cx="7553960" cy="4716145"/>
           </a:xfrm>
           <a:prstGeom prst="rect">
@@ -5517,7 +5517,7 @@
             </a:r>
             <a:r>
               <a:rPr lang="pt-PT" altLang="en-US" sz="1200"/>
-              <a:t>ficheiros retirados 21/11 do github as 15:51</a:t>
+              <a:t>ficheiros retirados 21/11 do github às 15:51</a:t>
             </a:r>
             <a:endParaRPr lang="pt-PT" altLang="en-US" sz="1200"/>
           </a:p>

--- a/documents/Apresentação_22_11.pptx
+++ b/documents/Apresentação_22_11.pptx
@@ -5,10 +5,10 @@
     <p:sldMasterId id="2147483648" r:id="rId1"/>
   </p:sldMasterIdLst>
   <p:notesMasterIdLst>
-    <p:notesMasterId r:id="rId11"/>
+    <p:notesMasterId r:id="rId12"/>
   </p:notesMasterIdLst>
   <p:handoutMasterIdLst>
-    <p:handoutMasterId r:id="rId12"/>
+    <p:handoutMasterId r:id="rId13"/>
   </p:handoutMasterIdLst>
   <p:sldIdLst>
     <p:sldId id="256" r:id="rId3"/>
@@ -19,6 +19,7 @@
     <p:sldId id="261" r:id="rId8"/>
     <p:sldId id="262" r:id="rId9"/>
     <p:sldId id="263" r:id="rId10"/>
+    <p:sldId id="264" r:id="rId11"/>
   </p:sldIdLst>
   <p:sldSz cx="12192000" cy="6858000"/>
   <p:notesSz cx="7103745" cy="10234295"/>
@@ -5633,6 +5634,152 @@
           <a:xfrm>
             <a:off x="2374900" y="4076065"/>
             <a:ext cx="5015865" cy="2239645"/>
+          </a:xfrm>
+          <a:prstGeom prst="rect">
+            <a:avLst/>
+          </a:prstGeom>
+        </p:spPr>
+      </p:pic>
+    </p:spTree>
+  </p:cSld>
+  <p:clrMapOvr>
+    <a:masterClrMapping/>
+  </p:clrMapOvr>
+</p:sld>
+</file>
+
+<file path=ppt/slides/slide9.xml><?xml version="1.0" encoding="utf-8"?>
+<p:sld xmlns:a="http://schemas.openxmlformats.org/drawingml/2006/main" xmlns:r="http://schemas.openxmlformats.org/officeDocument/2006/relationships" xmlns:p="http://schemas.openxmlformats.org/presentationml/2006/main">
+  <p:cSld>
+    <p:spTree>
+      <p:nvGrpSpPr>
+        <p:cNvPr id="1" name=""/>
+        <p:cNvGrpSpPr/>
+        <p:nvPr/>
+      </p:nvGrpSpPr>
+      <p:grpSpPr/>
+      <p:sp>
+        <p:nvSpPr>
+          <p:cNvPr id="2" name="Título  1"/>
+          <p:cNvSpPr>
+            <a:spLocks noGrp="1"/>
+          </p:cNvSpPr>
+          <p:nvPr>
+            <p:ph type="title"/>
+          </p:nvPr>
+        </p:nvSpPr>
+        <p:spPr/>
+        <p:txBody>
+          <a:bodyPr/>
+          <a:p>
+            <a:r>
+              <a:rPr lang="pt-PT" altLang="en-US"/>
+              <a:t>Back End</a:t>
+            </a:r>
+            <a:endParaRPr lang="pt-PT" altLang="en-US"/>
+          </a:p>
+        </p:txBody>
+      </p:sp>
+      <p:sp>
+        <p:nvSpPr>
+          <p:cNvPr id="4" name="Marcador de Posição de Conteúdo 3"/>
+          <p:cNvSpPr>
+            <a:spLocks noGrp="1"/>
+          </p:cNvSpPr>
+          <p:nvPr>
+            <p:ph sz="half" idx="1"/>
+          </p:nvPr>
+        </p:nvSpPr>
+        <p:spPr>
+          <a:xfrm>
+            <a:off x="6197600" y="1600200"/>
+            <a:ext cx="5384800" cy="4525963"/>
+          </a:xfrm>
+        </p:spPr>
+        <p:txBody>
+          <a:bodyPr/>
+          <a:p>
+            <a:pPr marL="0" indent="0">
+              <a:buNone/>
+            </a:pPr>
+            <a:r>
+              <a:rPr lang="pt-PT" altLang="en-US" sz="2000">
+                <a:sym typeface="+mn-ea"/>
+              </a:rPr>
+              <a:t>Atualização </a:t>
+            </a:r>
+            <a:r>
+              <a:rPr lang="pt-PT" altLang="en-US" sz="1200">
+                <a:sym typeface="+mn-ea"/>
+              </a:rPr>
+              <a:t>ficheiros retirados 21/11 do github às 18:07</a:t>
+            </a:r>
+            <a:endParaRPr lang="pt-PT" altLang="en-US" sz="1200">
+              <a:sym typeface="+mn-ea"/>
+            </a:endParaRPr>
+          </a:p>
+          <a:p>
+            <a:pPr marL="0" indent="0">
+              <a:buNone/>
+            </a:pPr>
+            <a:endParaRPr lang="pt-PT" altLang="en-US" sz="1200"/>
+          </a:p>
+          <a:p>
+            <a:pPr marL="0" indent="0">
+              <a:buNone/>
+            </a:pPr>
+            <a:r>
+              <a:rPr lang="pt-PT" altLang="en-US" sz="2000"/>
+              <a:t>CRUD para todas as tabelas criado em um só ficheiro (customer.py)</a:t>
+            </a:r>
+            <a:endParaRPr lang="pt-PT" altLang="en-US" sz="2000"/>
+          </a:p>
+        </p:txBody>
+      </p:sp>
+      <p:pic>
+        <p:nvPicPr>
+          <p:cNvPr id="5" name="Marcador de Posição de Conteúdo 4"/>
+          <p:cNvPicPr>
+            <a:picLocks noChangeAspect="1"/>
+          </p:cNvPicPr>
+          <p:nvPr>
+            <p:ph sz="half" idx="2"/>
+          </p:nvPr>
+        </p:nvPicPr>
+        <p:blipFill>
+          <a:blip r:embed="rId1"/>
+          <a:stretch>
+            <a:fillRect/>
+          </a:stretch>
+        </p:blipFill>
+        <p:spPr>
+          <a:xfrm>
+            <a:off x="727710" y="1777365"/>
+            <a:ext cx="3989705" cy="2244090"/>
+          </a:xfrm>
+          <a:prstGeom prst="rect">
+            <a:avLst/>
+          </a:prstGeom>
+        </p:spPr>
+      </p:pic>
+      <p:pic>
+        <p:nvPicPr>
+          <p:cNvPr id="6" name="Imagem 5"/>
+          <p:cNvPicPr>
+            <a:picLocks noChangeAspect="1"/>
+          </p:cNvPicPr>
+          <p:nvPr/>
+        </p:nvPicPr>
+        <p:blipFill>
+          <a:blip r:embed="rId2"/>
+          <a:stretch>
+            <a:fillRect/>
+          </a:stretch>
+        </p:blipFill>
+        <p:spPr>
+          <a:xfrm>
+            <a:off x="5474335" y="3535045"/>
+            <a:ext cx="4713605" cy="2520315"/>
           </a:xfrm>
           <a:prstGeom prst="rect">
             <a:avLst/>

--- a/documents/Apresentação_22_11.pptx
+++ b/documents/Apresentação_22_11.pptx
@@ -5,10 +5,10 @@
     <p:sldMasterId id="2147483648" r:id="rId1"/>
   </p:sldMasterIdLst>
   <p:notesMasterIdLst>
-    <p:notesMasterId r:id="rId12"/>
+    <p:notesMasterId r:id="rId13"/>
   </p:notesMasterIdLst>
   <p:handoutMasterIdLst>
-    <p:handoutMasterId r:id="rId13"/>
+    <p:handoutMasterId r:id="rId14"/>
   </p:handoutMasterIdLst>
   <p:sldIdLst>
     <p:sldId id="256" r:id="rId3"/>
@@ -17,9 +17,10 @@
     <p:sldId id="259" r:id="rId6"/>
     <p:sldId id="260" r:id="rId7"/>
     <p:sldId id="261" r:id="rId8"/>
-    <p:sldId id="262" r:id="rId9"/>
-    <p:sldId id="263" r:id="rId10"/>
-    <p:sldId id="264" r:id="rId11"/>
+    <p:sldId id="265" r:id="rId9"/>
+    <p:sldId id="262" r:id="rId10"/>
+    <p:sldId id="263" r:id="rId11"/>
+    <p:sldId id="264" r:id="rId12"/>
   </p:sldIdLst>
   <p:sldSz cx="12192000" cy="6858000"/>
   <p:notesSz cx="7103745" cy="10234295"/>
@@ -4524,6 +4525,152 @@
 </p:sld>
 </file>
 
+<file path=ppt/slides/slide10.xml><?xml version="1.0" encoding="utf-8"?>
+<p:sld xmlns:a="http://schemas.openxmlformats.org/drawingml/2006/main" xmlns:r="http://schemas.openxmlformats.org/officeDocument/2006/relationships" xmlns:p="http://schemas.openxmlformats.org/presentationml/2006/main">
+  <p:cSld>
+    <p:spTree>
+      <p:nvGrpSpPr>
+        <p:cNvPr id="1" name=""/>
+        <p:cNvGrpSpPr/>
+        <p:nvPr/>
+      </p:nvGrpSpPr>
+      <p:grpSpPr/>
+      <p:sp>
+        <p:nvSpPr>
+          <p:cNvPr id="2" name="Título  1"/>
+          <p:cNvSpPr>
+            <a:spLocks noGrp="1"/>
+          </p:cNvSpPr>
+          <p:nvPr>
+            <p:ph type="title"/>
+          </p:nvPr>
+        </p:nvSpPr>
+        <p:spPr/>
+        <p:txBody>
+          <a:bodyPr/>
+          <a:p>
+            <a:r>
+              <a:rPr lang="pt-PT" altLang="en-US"/>
+              <a:t>Back End</a:t>
+            </a:r>
+            <a:endParaRPr lang="pt-PT" altLang="en-US"/>
+          </a:p>
+        </p:txBody>
+      </p:sp>
+      <p:sp>
+        <p:nvSpPr>
+          <p:cNvPr id="4" name="Marcador de Posição de Conteúdo 3"/>
+          <p:cNvSpPr>
+            <a:spLocks noGrp="1"/>
+          </p:cNvSpPr>
+          <p:nvPr>
+            <p:ph sz="half" idx="1"/>
+          </p:nvPr>
+        </p:nvSpPr>
+        <p:spPr>
+          <a:xfrm>
+            <a:off x="6197600" y="1600200"/>
+            <a:ext cx="5384800" cy="4525963"/>
+          </a:xfrm>
+        </p:spPr>
+        <p:txBody>
+          <a:bodyPr/>
+          <a:p>
+            <a:pPr marL="0" indent="0">
+              <a:buNone/>
+            </a:pPr>
+            <a:r>
+              <a:rPr lang="pt-PT" altLang="en-US" sz="2000">
+                <a:sym typeface="+mn-ea"/>
+              </a:rPr>
+              <a:t>Atualização </a:t>
+            </a:r>
+            <a:r>
+              <a:rPr lang="pt-PT" altLang="en-US" sz="1200">
+                <a:sym typeface="+mn-ea"/>
+              </a:rPr>
+              <a:t>ficheiros retirados 21/11 do github às 18:07</a:t>
+            </a:r>
+            <a:endParaRPr lang="pt-PT" altLang="en-US" sz="1200">
+              <a:sym typeface="+mn-ea"/>
+            </a:endParaRPr>
+          </a:p>
+          <a:p>
+            <a:pPr marL="0" indent="0">
+              <a:buNone/>
+            </a:pPr>
+            <a:endParaRPr lang="pt-PT" altLang="en-US" sz="1200"/>
+          </a:p>
+          <a:p>
+            <a:pPr marL="0" indent="0">
+              <a:buNone/>
+            </a:pPr>
+            <a:r>
+              <a:rPr lang="pt-PT" altLang="en-US" sz="2000"/>
+              <a:t>CRUD para todas as tabelas criado em um só ficheiro (customer.py)</a:t>
+            </a:r>
+            <a:endParaRPr lang="pt-PT" altLang="en-US" sz="2000"/>
+          </a:p>
+        </p:txBody>
+      </p:sp>
+      <p:pic>
+        <p:nvPicPr>
+          <p:cNvPr id="5" name="Marcador de Posição de Conteúdo 4"/>
+          <p:cNvPicPr>
+            <a:picLocks noChangeAspect="1"/>
+          </p:cNvPicPr>
+          <p:nvPr>
+            <p:ph sz="half" idx="2"/>
+          </p:nvPr>
+        </p:nvPicPr>
+        <p:blipFill>
+          <a:blip r:embed="rId1"/>
+          <a:stretch>
+            <a:fillRect/>
+          </a:stretch>
+        </p:blipFill>
+        <p:spPr>
+          <a:xfrm>
+            <a:off x="727710" y="1777365"/>
+            <a:ext cx="3989705" cy="2244090"/>
+          </a:xfrm>
+          <a:prstGeom prst="rect">
+            <a:avLst/>
+          </a:prstGeom>
+        </p:spPr>
+      </p:pic>
+      <p:pic>
+        <p:nvPicPr>
+          <p:cNvPr id="6" name="Imagem 5"/>
+          <p:cNvPicPr>
+            <a:picLocks noChangeAspect="1"/>
+          </p:cNvPicPr>
+          <p:nvPr/>
+        </p:nvPicPr>
+        <p:blipFill>
+          <a:blip r:embed="rId2"/>
+          <a:stretch>
+            <a:fillRect/>
+          </a:stretch>
+        </p:blipFill>
+        <p:spPr>
+          <a:xfrm>
+            <a:off x="5474335" y="3535045"/>
+            <a:ext cx="4713605" cy="2520315"/>
+          </a:xfrm>
+          <a:prstGeom prst="rect">
+            <a:avLst/>
+          </a:prstGeom>
+        </p:spPr>
+      </p:pic>
+    </p:spTree>
+  </p:cSld>
+  <p:clrMapOvr>
+    <a:masterClrMapping/>
+  </p:clrMapOvr>
+</p:sld>
+</file>
+
 <file path=ppt/slides/slide2.xml><?xml version="1.0" encoding="utf-8"?>
 <p:sld xmlns:a="http://schemas.openxmlformats.org/drawingml/2006/main" xmlns:r="http://schemas.openxmlformats.org/officeDocument/2006/relationships" xmlns:p="http://schemas.openxmlformats.org/presentationml/2006/main">
   <p:cSld>
@@ -5232,6 +5379,224 @@
           <a:p>
             <a:r>
               <a:rPr lang="pt-PT" altLang="en-US"/>
+              <a:t>Frontend</a:t>
+            </a:r>
+            <a:endParaRPr lang="pt-PT" altLang="en-US"/>
+          </a:p>
+        </p:txBody>
+      </p:sp>
+      <p:sp>
+        <p:nvSpPr>
+          <p:cNvPr id="4" name="Marcador de Posição de Conteúdo 3"/>
+          <p:cNvSpPr>
+            <a:spLocks noGrp="1"/>
+          </p:cNvSpPr>
+          <p:nvPr>
+            <p:ph sz="half" idx="1"/>
+          </p:nvPr>
+        </p:nvSpPr>
+        <p:spPr>
+          <a:xfrm>
+            <a:off x="5994400" y="1600200"/>
+            <a:ext cx="5384800" cy="4525963"/>
+          </a:xfrm>
+        </p:spPr>
+        <p:txBody>
+          <a:bodyPr/>
+          <a:p>
+            <a:pPr marL="0" indent="0">
+              <a:buNone/>
+            </a:pPr>
+            <a:r>
+              <a:rPr lang="pt-PT" altLang="en-US" sz="2000"/>
+              <a:t>Atualização </a:t>
+            </a:r>
+            <a:r>
+              <a:rPr lang="pt-PT" altLang="en-US" sz="1200"/>
+              <a:t>informação retirada no dia 22/11 às 9:42</a:t>
+            </a:r>
+            <a:endParaRPr lang="pt-PT" altLang="en-US" sz="1200"/>
+          </a:p>
+          <a:p>
+            <a:pPr marL="0" indent="0">
+              <a:buNone/>
+            </a:pPr>
+            <a:endParaRPr lang="pt-PT" altLang="en-US" sz="1200"/>
+          </a:p>
+          <a:p>
+            <a:pPr marL="0" indent="0">
+              <a:buNone/>
+            </a:pPr>
+            <a:endParaRPr lang="pt-PT" altLang="en-US" sz="1200"/>
+          </a:p>
+          <a:p>
+            <a:pPr marL="0" indent="0">
+              <a:buNone/>
+            </a:pPr>
+            <a:endParaRPr lang="pt-PT" altLang="en-US" sz="1200"/>
+          </a:p>
+          <a:p>
+            <a:pPr marL="0" indent="0">
+              <a:buNone/>
+            </a:pPr>
+            <a:r>
+              <a:rPr lang="pt-PT" altLang="en-US" sz="2000"/>
+              <a:t>Foram criados mais ecrãs:</a:t>
+            </a:r>
+            <a:endParaRPr lang="pt-PT" altLang="en-US" sz="2000"/>
+          </a:p>
+          <a:p>
+            <a:pPr marL="0" indent="0">
+              <a:buNone/>
+            </a:pPr>
+            <a:r>
+              <a:rPr lang="pt-PT" altLang="en-US" sz="2000"/>
+              <a:t>-Product feature</a:t>
+            </a:r>
+            <a:endParaRPr lang="pt-PT" altLang="en-US" sz="2000"/>
+          </a:p>
+          <a:p>
+            <a:pPr marL="0" indent="0">
+              <a:buNone/>
+            </a:pPr>
+            <a:r>
+              <a:rPr lang="pt-PT" altLang="en-US" sz="2000"/>
+              <a:t>-Adoption</a:t>
+            </a:r>
+            <a:endParaRPr lang="pt-PT" altLang="en-US" sz="2000"/>
+          </a:p>
+          <a:p>
+            <a:pPr marL="0" indent="0">
+              <a:buNone/>
+            </a:pPr>
+            <a:r>
+              <a:rPr lang="pt-PT" altLang="en-US" sz="2000"/>
+              <a:t>-Donations</a:t>
+            </a:r>
+            <a:endParaRPr lang="pt-PT" altLang="en-US" sz="2000"/>
+          </a:p>
+          <a:p>
+            <a:pPr marL="0" indent="0">
+              <a:buNone/>
+            </a:pPr>
+            <a:endParaRPr lang="pt-PT" altLang="en-US" sz="2000"/>
+          </a:p>
+          <a:p>
+            <a:pPr marL="0" indent="0">
+              <a:buNone/>
+            </a:pPr>
+            <a:r>
+              <a:rPr lang="pt-PT" altLang="en-US" sz="1200"/>
+              <a:t>as paguinas apresentadas</a:t>
+            </a:r>
+            <a:endParaRPr lang="pt-PT" altLang="en-US" sz="1200"/>
+          </a:p>
+          <a:p>
+            <a:pPr marL="0" indent="0">
+              <a:buNone/>
+            </a:pPr>
+            <a:r>
+              <a:rPr lang="pt-PT" altLang="en-US" sz="1200"/>
+              <a:t>no neste painel são a</a:t>
+            </a:r>
+            <a:endParaRPr lang="pt-PT" altLang="en-US" sz="1200"/>
+          </a:p>
+          <a:p>
+            <a:pPr marL="0" indent="0">
+              <a:buNone/>
+            </a:pPr>
+            <a:r>
+              <a:rPr lang="pt-PT" altLang="en-US" sz="1200"/>
+              <a:t>pagina inicial e adoption</a:t>
+            </a:r>
+            <a:endParaRPr lang="pt-PT" altLang="en-US" sz="1200"/>
+          </a:p>
+        </p:txBody>
+      </p:sp>
+      <p:pic>
+        <p:nvPicPr>
+          <p:cNvPr id="5" name="Marcador de Posição de Conteúdo 4"/>
+          <p:cNvPicPr>
+            <a:picLocks noChangeAspect="1"/>
+          </p:cNvPicPr>
+          <p:nvPr>
+            <p:ph sz="half" idx="2"/>
+          </p:nvPr>
+        </p:nvPicPr>
+        <p:blipFill>
+          <a:blip r:embed="rId1"/>
+          <a:stretch>
+            <a:fillRect/>
+          </a:stretch>
+        </p:blipFill>
+        <p:spPr>
+          <a:xfrm>
+            <a:off x="609600" y="1600200"/>
+            <a:ext cx="4505960" cy="4092575"/>
+          </a:xfrm>
+          <a:prstGeom prst="rect">
+            <a:avLst/>
+          </a:prstGeom>
+        </p:spPr>
+      </p:pic>
+      <p:pic>
+        <p:nvPicPr>
+          <p:cNvPr id="6" name="Imagem 5"/>
+          <p:cNvPicPr>
+            <a:picLocks noChangeAspect="1"/>
+          </p:cNvPicPr>
+          <p:nvPr/>
+        </p:nvPicPr>
+        <p:blipFill>
+          <a:blip r:embed="rId2"/>
+          <a:stretch>
+            <a:fillRect/>
+          </a:stretch>
+        </p:blipFill>
+        <p:spPr>
+          <a:xfrm>
+            <a:off x="8267700" y="3026410"/>
+            <a:ext cx="3481070" cy="3420745"/>
+          </a:xfrm>
+          <a:prstGeom prst="rect">
+            <a:avLst/>
+          </a:prstGeom>
+        </p:spPr>
+      </p:pic>
+    </p:spTree>
+  </p:cSld>
+  <p:clrMapOvr>
+    <a:masterClrMapping/>
+  </p:clrMapOvr>
+</p:sld>
+</file>
+
+<file path=ppt/slides/slide8.xml><?xml version="1.0" encoding="utf-8"?>
+<p:sld xmlns:a="http://schemas.openxmlformats.org/drawingml/2006/main" xmlns:r="http://schemas.openxmlformats.org/officeDocument/2006/relationships" xmlns:p="http://schemas.openxmlformats.org/presentationml/2006/main">
+  <p:cSld>
+    <p:spTree>
+      <p:nvGrpSpPr>
+        <p:cNvPr id="1" name=""/>
+        <p:cNvGrpSpPr/>
+        <p:nvPr/>
+      </p:nvGrpSpPr>
+      <p:grpSpPr/>
+      <p:sp>
+        <p:nvSpPr>
+          <p:cNvPr id="2" name="Título  1"/>
+          <p:cNvSpPr>
+            <a:spLocks noGrp="1"/>
+          </p:cNvSpPr>
+          <p:nvPr>
+            <p:ph type="title"/>
+          </p:nvPr>
+        </p:nvSpPr>
+        <p:spPr/>
+        <p:txBody>
+          <a:bodyPr/>
+          <a:p>
+            <a:r>
+              <a:rPr lang="pt-PT" altLang="en-US"/>
               <a:t>Back End</a:t>
             </a:r>
             <a:endParaRPr lang="pt-PT" altLang="en-US"/>
@@ -5463,7 +5828,7 @@
 </p:sld>
 </file>
 
-<file path=ppt/slides/slide8.xml><?xml version="1.0" encoding="utf-8"?>
+<file path=ppt/slides/slide9.xml><?xml version="1.0" encoding="utf-8"?>
 <p:sld xmlns:a="http://schemas.openxmlformats.org/drawingml/2006/main" xmlns:r="http://schemas.openxmlformats.org/officeDocument/2006/relationships" xmlns:p="http://schemas.openxmlformats.org/presentationml/2006/main">
   <p:cSld>
     <p:spTree>
@@ -5634,152 +5999,6 @@
           <a:xfrm>
             <a:off x="2374900" y="4076065"/>
             <a:ext cx="5015865" cy="2239645"/>
-          </a:xfrm>
-          <a:prstGeom prst="rect">
-            <a:avLst/>
-          </a:prstGeom>
-        </p:spPr>
-      </p:pic>
-    </p:spTree>
-  </p:cSld>
-  <p:clrMapOvr>
-    <a:masterClrMapping/>
-  </p:clrMapOvr>
-</p:sld>
-</file>
-
-<file path=ppt/slides/slide9.xml><?xml version="1.0" encoding="utf-8"?>
-<p:sld xmlns:a="http://schemas.openxmlformats.org/drawingml/2006/main" xmlns:r="http://schemas.openxmlformats.org/officeDocument/2006/relationships" xmlns:p="http://schemas.openxmlformats.org/presentationml/2006/main">
-  <p:cSld>
-    <p:spTree>
-      <p:nvGrpSpPr>
-        <p:cNvPr id="1" name=""/>
-        <p:cNvGrpSpPr/>
-        <p:nvPr/>
-      </p:nvGrpSpPr>
-      <p:grpSpPr/>
-      <p:sp>
-        <p:nvSpPr>
-          <p:cNvPr id="2" name="Título  1"/>
-          <p:cNvSpPr>
-            <a:spLocks noGrp="1"/>
-          </p:cNvSpPr>
-          <p:nvPr>
-            <p:ph type="title"/>
-          </p:nvPr>
-        </p:nvSpPr>
-        <p:spPr/>
-        <p:txBody>
-          <a:bodyPr/>
-          <a:p>
-            <a:r>
-              <a:rPr lang="pt-PT" altLang="en-US"/>
-              <a:t>Back End</a:t>
-            </a:r>
-            <a:endParaRPr lang="pt-PT" altLang="en-US"/>
-          </a:p>
-        </p:txBody>
-      </p:sp>
-      <p:sp>
-        <p:nvSpPr>
-          <p:cNvPr id="4" name="Marcador de Posição de Conteúdo 3"/>
-          <p:cNvSpPr>
-            <a:spLocks noGrp="1"/>
-          </p:cNvSpPr>
-          <p:nvPr>
-            <p:ph sz="half" idx="1"/>
-          </p:nvPr>
-        </p:nvSpPr>
-        <p:spPr>
-          <a:xfrm>
-            <a:off x="6197600" y="1600200"/>
-            <a:ext cx="5384800" cy="4525963"/>
-          </a:xfrm>
-        </p:spPr>
-        <p:txBody>
-          <a:bodyPr/>
-          <a:p>
-            <a:pPr marL="0" indent="0">
-              <a:buNone/>
-            </a:pPr>
-            <a:r>
-              <a:rPr lang="pt-PT" altLang="en-US" sz="2000">
-                <a:sym typeface="+mn-ea"/>
-              </a:rPr>
-              <a:t>Atualização </a:t>
-            </a:r>
-            <a:r>
-              <a:rPr lang="pt-PT" altLang="en-US" sz="1200">
-                <a:sym typeface="+mn-ea"/>
-              </a:rPr>
-              <a:t>ficheiros retirados 21/11 do github às 18:07</a:t>
-            </a:r>
-            <a:endParaRPr lang="pt-PT" altLang="en-US" sz="1200">
-              <a:sym typeface="+mn-ea"/>
-            </a:endParaRPr>
-          </a:p>
-          <a:p>
-            <a:pPr marL="0" indent="0">
-              <a:buNone/>
-            </a:pPr>
-            <a:endParaRPr lang="pt-PT" altLang="en-US" sz="1200"/>
-          </a:p>
-          <a:p>
-            <a:pPr marL="0" indent="0">
-              <a:buNone/>
-            </a:pPr>
-            <a:r>
-              <a:rPr lang="pt-PT" altLang="en-US" sz="2000"/>
-              <a:t>CRUD para todas as tabelas criado em um só ficheiro (customer.py)</a:t>
-            </a:r>
-            <a:endParaRPr lang="pt-PT" altLang="en-US" sz="2000"/>
-          </a:p>
-        </p:txBody>
-      </p:sp>
-      <p:pic>
-        <p:nvPicPr>
-          <p:cNvPr id="5" name="Marcador de Posição de Conteúdo 4"/>
-          <p:cNvPicPr>
-            <a:picLocks noChangeAspect="1"/>
-          </p:cNvPicPr>
-          <p:nvPr>
-            <p:ph sz="half" idx="2"/>
-          </p:nvPr>
-        </p:nvPicPr>
-        <p:blipFill>
-          <a:blip r:embed="rId1"/>
-          <a:stretch>
-            <a:fillRect/>
-          </a:stretch>
-        </p:blipFill>
-        <p:spPr>
-          <a:xfrm>
-            <a:off x="727710" y="1777365"/>
-            <a:ext cx="3989705" cy="2244090"/>
-          </a:xfrm>
-          <a:prstGeom prst="rect">
-            <a:avLst/>
-          </a:prstGeom>
-        </p:spPr>
-      </p:pic>
-      <p:pic>
-        <p:nvPicPr>
-          <p:cNvPr id="6" name="Imagem 5"/>
-          <p:cNvPicPr>
-            <a:picLocks noChangeAspect="1"/>
-          </p:cNvPicPr>
-          <p:nvPr/>
-        </p:nvPicPr>
-        <p:blipFill>
-          <a:blip r:embed="rId2"/>
-          <a:stretch>
-            <a:fillRect/>
-          </a:stretch>
-        </p:blipFill>
-        <p:spPr>
-          <a:xfrm>
-            <a:off x="5474335" y="3535045"/>
-            <a:ext cx="4713605" cy="2520315"/>
           </a:xfrm>
           <a:prstGeom prst="rect">
             <a:avLst/>

--- a/documents/Apresentação_22_11.pptx
+++ b/documents/Apresentação_22_11.pptx
@@ -5139,7 +5139,7 @@
           <a:p>
             <a:r>
               <a:rPr lang="pt-PT" altLang="en-US"/>
-              <a:t>Front-End</a:t>
+              <a:t>Front End</a:t>
             </a:r>
             <a:endParaRPr lang="pt-PT" altLang="en-US"/>
           </a:p>
@@ -5379,7 +5379,7 @@
           <a:p>
             <a:r>
               <a:rPr lang="pt-PT" altLang="en-US"/>
-              <a:t>Frontend</a:t>
+              <a:t>Front End</a:t>
             </a:r>
             <a:endParaRPr lang="pt-PT" altLang="en-US"/>
           </a:p>
